--- a/Material/Funciones Asíncronas en JavaScript.pptx
+++ b/Material/Funciones Asíncronas en JavaScript.pptx
@@ -9819,7 +9819,22 @@
                 <a:cs typeface="Courier New"/>
                 <a:sym typeface="Courier New"/>
               </a:rPr>
-              <a:t>headers</a:t>
+              <a:t>he</a:t>
+            </a:r>
+            <a:r>
+              <a:rPr b="1" lang="en" sz="1200">
+                <a:solidFill>
+                  <a:srgbClr val="6FA8DC"/>
+                </a:solidFill>
+                <a:highlight>
+                  <a:srgbClr val="F4F4F4"/>
+                </a:highlight>
+                <a:latin typeface="Courier New"/>
+                <a:ea typeface="Courier New"/>
+                <a:cs typeface="Courier New"/>
+                <a:sym typeface="Courier New"/>
+              </a:rPr>
+              <a:t>aders</a:t>
             </a:r>
             <a:r>
               <a:rPr b="1" lang="en" sz="1200">
@@ -9905,7 +9920,22 @@
                 <a:cs typeface="Courier New"/>
                 <a:sym typeface="Courier New"/>
               </a:rPr>
-              <a:t>'Content-Type'</a:t>
+              <a:t>'Content-Type</a:t>
+            </a:r>
+            <a:r>
+              <a:rPr b="1" lang="en" sz="1200">
+                <a:solidFill>
+                  <a:srgbClr val="FF9900"/>
+                </a:solidFill>
+                <a:highlight>
+                  <a:srgbClr val="F4F4F4"/>
+                </a:highlight>
+                <a:latin typeface="Courier New"/>
+                <a:ea typeface="Courier New"/>
+                <a:cs typeface="Courier New"/>
+                <a:sym typeface="Courier New"/>
+              </a:rPr>
+              <a:t>'</a:t>
             </a:r>
             <a:r>
               <a:rPr b="1" lang="en" sz="1200">
